--- a/des/slides/Bruteforcing DES.pptx
+++ b/des/slides/Bruteforcing DES.pptx
@@ -12,8 +12,9 @@
     <p:sldId id="260" r:id="rId6"/>
     <p:sldId id="261" r:id="rId7"/>
     <p:sldId id="262" r:id="rId8"/>
-    <p:sldId id="263" r:id="rId9"/>
-    <p:sldId id="264" r:id="rId10"/>
+    <p:sldId id="265" r:id="rId9"/>
+    <p:sldId id="263" r:id="rId10"/>
+    <p:sldId id="264" r:id="rId11"/>
   </p:sldIdLst>
   <p:sldSz cx="9144000" cy="6858000" type="screen4x3"/>
   <p:notesSz cx="6858000" cy="9144000"/>
@@ -221,11 +222,11 @@
           <c:showBubbleSize val="0"/>
         </c:dLbls>
         <c:gapWidth val="150"/>
-        <c:axId val="47692416"/>
-        <c:axId val="47698304"/>
+        <c:axId val="32893568"/>
+        <c:axId val="124043648"/>
       </c:barChart>
       <c:catAx>
-        <c:axId val="47692416"/>
+        <c:axId val="32893568"/>
         <c:scaling>
           <c:orientation val="minMax"/>
         </c:scaling>
@@ -234,7 +235,7 @@
         <c:majorTickMark val="out"/>
         <c:minorTickMark val="none"/>
         <c:tickLblPos val="nextTo"/>
-        <c:crossAx val="47698304"/>
+        <c:crossAx val="124043648"/>
         <c:crosses val="autoZero"/>
         <c:auto val="1"/>
         <c:lblAlgn val="ctr"/>
@@ -242,7 +243,7 @@
         <c:noMultiLvlLbl val="0"/>
       </c:catAx>
       <c:valAx>
-        <c:axId val="47698304"/>
+        <c:axId val="124043648"/>
         <c:scaling>
           <c:orientation val="minMax"/>
         </c:scaling>
@@ -253,7 +254,7 @@
         <c:majorTickMark val="out"/>
         <c:minorTickMark val="none"/>
         <c:tickLblPos val="nextTo"/>
-        <c:crossAx val="47692416"/>
+        <c:crossAx val="32893568"/>
         <c:crosses val="autoZero"/>
         <c:crossBetween val="between"/>
       </c:valAx>
@@ -4880,6 +4881,136 @@
       <p:transition spd="slow"/>
     </mc:Fallback>
   </mc:AlternateContent>
+  <p:timing>
+    <p:tnLst>
+      <p:par>
+        <p:cTn id="1" dur="indefinite" restart="never" nodeType="tmRoot"/>
+      </p:par>
+    </p:tnLst>
+  </p:timing>
+</p:sld>
+</file>
+
+<file path=ppt/slides/slide10.xml><?xml version="1.0" encoding="utf-8"?>
+<p:sld xmlns:a="http://schemas.openxmlformats.org/drawingml/2006/main" xmlns:r="http://schemas.openxmlformats.org/officeDocument/2006/relationships" xmlns:p="http://schemas.openxmlformats.org/presentationml/2006/main">
+  <p:cSld>
+    <p:spTree>
+      <p:nvGrpSpPr>
+        <p:cNvPr id="1" name=""/>
+        <p:cNvGrpSpPr/>
+        <p:nvPr/>
+      </p:nvGrpSpPr>
+      <p:grpSpPr>
+        <a:xfrm>
+          <a:off x="0" y="0"/>
+          <a:ext cx="0" cy="0"/>
+          <a:chOff x="0" y="0"/>
+          <a:chExt cx="0" cy="0"/>
+        </a:xfrm>
+      </p:grpSpPr>
+      <p:sp>
+        <p:nvSpPr>
+          <p:cNvPr id="4" name="Titel 3"/>
+          <p:cNvSpPr>
+            <a:spLocks noGrp="1"/>
+          </p:cNvSpPr>
+          <p:nvPr>
+            <p:ph type="ctrTitle"/>
+          </p:nvPr>
+        </p:nvSpPr>
+        <p:spPr/>
+        <p:txBody>
+          <a:bodyPr>
+            <a:normAutofit/>
+          </a:bodyPr>
+          <a:lstStyle/>
+          <a:p>
+            <a:r>
+              <a:rPr lang="de-DE" dirty="0" err="1" smtClean="0"/>
+              <a:t>Thank</a:t>
+            </a:r>
+            <a:r>
+              <a:rPr lang="de-DE" dirty="0" smtClean="0"/>
+              <a:t> </a:t>
+            </a:r>
+            <a:r>
+              <a:rPr lang="de-DE" dirty="0" err="1" smtClean="0"/>
+              <a:t>you</a:t>
+            </a:r>
+            <a:r>
+              <a:rPr lang="de-DE" dirty="0" smtClean="0"/>
+              <a:t> </a:t>
+            </a:r>
+            <a:r>
+              <a:rPr lang="de-DE" dirty="0" err="1" smtClean="0"/>
+              <a:t>for</a:t>
+            </a:r>
+            <a:r>
+              <a:rPr lang="de-DE" dirty="0" smtClean="0"/>
+              <a:t> </a:t>
+            </a:r>
+            <a:br>
+              <a:rPr lang="de-DE" dirty="0" smtClean="0"/>
+            </a:br>
+            <a:r>
+              <a:rPr lang="de-DE" dirty="0" err="1" smtClean="0"/>
+              <a:t>your</a:t>
+            </a:r>
+            <a:r>
+              <a:rPr lang="de-DE" dirty="0" smtClean="0"/>
+              <a:t> </a:t>
+            </a:r>
+            <a:r>
+              <a:rPr lang="de-DE" dirty="0" err="1" smtClean="0"/>
+              <a:t>attention</a:t>
+            </a:r>
+            <a:r>
+              <a:rPr lang="de-DE" dirty="0" smtClean="0"/>
+              <a:t>!</a:t>
+            </a:r>
+            <a:endParaRPr lang="en-US" dirty="0"/>
+          </a:p>
+        </p:txBody>
+      </p:sp>
+      <p:sp>
+        <p:nvSpPr>
+          <p:cNvPr id="5" name="Untertitel 4"/>
+          <p:cNvSpPr>
+            <a:spLocks noGrp="1"/>
+          </p:cNvSpPr>
+          <p:nvPr>
+            <p:ph type="subTitle" idx="1"/>
+          </p:nvPr>
+        </p:nvSpPr>
+        <p:spPr/>
+        <p:txBody>
+          <a:bodyPr>
+            <a:normAutofit/>
+          </a:bodyPr>
+          <a:lstStyle/>
+          <a:p>
+            <a:r>
+              <a:rPr lang="de-DE" sz="3200" dirty="0" err="1" smtClean="0"/>
+              <a:t>Questions</a:t>
+            </a:r>
+            <a:r>
+              <a:rPr lang="de-DE" sz="3200" dirty="0" smtClean="0"/>
+              <a:t>?</a:t>
+            </a:r>
+            <a:endParaRPr lang="en-US" sz="3200" dirty="0"/>
+          </a:p>
+        </p:txBody>
+      </p:sp>
+    </p:spTree>
+    <p:extLst>
+      <p:ext uri="{BB962C8B-B14F-4D97-AF65-F5344CB8AC3E}">
+        <p14:creationId xmlns:p14="http://schemas.microsoft.com/office/powerpoint/2010/main" val="1994248867"/>
+      </p:ext>
+    </p:extLst>
+  </p:cSld>
+  <p:clrMapOvr>
+    <a:masterClrMapping/>
+  </p:clrMapOvr>
   <p:timing>
     <p:tnLst>
       <p:par>
@@ -9233,133 +9364,6 @@
           <a:bodyPr/>
           <a:lstStyle/>
           <a:p>
-            <a:r>
-              <a:rPr lang="en-US" dirty="0" smtClean="0"/>
-              <a:t>Optimize parallel code</a:t>
-            </a:r>
-          </a:p>
-          <a:p>
-            <a:r>
-              <a:rPr lang="en-US" dirty="0" smtClean="0"/>
-              <a:t>Analyze best combination of threads per block and blocks per grid. (I used 64,32)</a:t>
-            </a:r>
-          </a:p>
-          <a:p>
-            <a:r>
-              <a:rPr lang="en-US" dirty="0" smtClean="0"/>
-              <a:t>Utilize multiple cards</a:t>
-            </a:r>
-          </a:p>
-          <a:p>
-            <a:r>
-              <a:rPr lang="de-DE" dirty="0" err="1" smtClean="0"/>
-              <a:t>Use</a:t>
-            </a:r>
-            <a:r>
-              <a:rPr lang="de-DE" dirty="0" smtClean="0"/>
-              <a:t> </a:t>
-            </a:r>
-            <a:r>
-              <a:rPr lang="de-DE" dirty="0" err="1" smtClean="0"/>
-              <a:t>found</a:t>
-            </a:r>
-            <a:r>
-              <a:rPr lang="de-DE" dirty="0" smtClean="0"/>
-              <a:t> </a:t>
-            </a:r>
-            <a:r>
-              <a:rPr lang="de-DE" dirty="0" err="1" smtClean="0"/>
-              <a:t>weakness</a:t>
-            </a:r>
-            <a:r>
-              <a:rPr lang="de-DE" dirty="0" smtClean="0"/>
-              <a:t> </a:t>
-            </a:r>
-            <a:r>
-              <a:rPr lang="de-DE" dirty="0" err="1" smtClean="0"/>
-              <a:t>of</a:t>
-            </a:r>
-            <a:r>
-              <a:rPr lang="de-DE" dirty="0" smtClean="0"/>
-              <a:t> DES </a:t>
-            </a:r>
-          </a:p>
-          <a:p>
-            <a:pPr lvl="1"/>
-            <a:r>
-              <a:rPr lang="de-DE" dirty="0" smtClean="0"/>
-              <a:t>Keys </a:t>
-            </a:r>
-            <a:r>
-              <a:rPr lang="de-DE" dirty="0" err="1" smtClean="0"/>
-              <a:t>with</a:t>
-            </a:r>
-            <a:r>
-              <a:rPr lang="de-DE" dirty="0" smtClean="0"/>
-              <a:t> </a:t>
-            </a:r>
-            <a:r>
-              <a:rPr lang="de-DE" dirty="0" err="1" smtClean="0"/>
-              <a:t>distance</a:t>
-            </a:r>
-            <a:r>
-              <a:rPr lang="de-DE" dirty="0" smtClean="0"/>
-              <a:t> 1 per </a:t>
-            </a:r>
-            <a:r>
-              <a:rPr lang="de-DE" dirty="0" err="1" smtClean="0"/>
-              <a:t>byte</a:t>
-            </a:r>
-            <a:r>
-              <a:rPr lang="de-DE" dirty="0" smtClean="0"/>
-              <a:t> </a:t>
-            </a:r>
-            <a:r>
-              <a:rPr lang="de-DE" dirty="0" err="1" smtClean="0"/>
-              <a:t>yield</a:t>
-            </a:r>
-            <a:r>
-              <a:rPr lang="de-DE" dirty="0" smtClean="0"/>
-              <a:t> same </a:t>
-            </a:r>
-            <a:r>
-              <a:rPr lang="de-DE" dirty="0" err="1" smtClean="0"/>
-              <a:t>cipher</a:t>
-            </a:r>
-            <a:r>
-              <a:rPr lang="de-DE" dirty="0" smtClean="0"/>
-              <a:t>.</a:t>
-            </a:r>
-          </a:p>
-          <a:p>
-            <a:pPr lvl="1"/>
-            <a:r>
-              <a:rPr lang="de-DE" dirty="0" smtClean="0"/>
-              <a:t>Key </a:t>
-            </a:r>
-            <a:r>
-              <a:rPr lang="de-DE" dirty="0" err="1" smtClean="0"/>
-              <a:t>keykeyke</a:t>
-            </a:r>
-            <a:r>
-              <a:rPr lang="de-DE" dirty="0" smtClean="0"/>
-              <a:t> == </a:t>
-            </a:r>
-            <a:r>
-              <a:rPr lang="de-DE" dirty="0" err="1" smtClean="0"/>
-              <a:t>jdxjdxjd</a:t>
-            </a:r>
-            <a:r>
-              <a:rPr lang="de-DE" dirty="0" smtClean="0"/>
-              <a:t> == </a:t>
-            </a:r>
-            <a:r>
-              <a:rPr lang="de-DE" smtClean="0"/>
-              <a:t>jdxkeyje  </a:t>
-            </a:r>
-            <a:endParaRPr lang="en-US" dirty="0" smtClean="0"/>
-          </a:p>
-          <a:p>
             <a:endParaRPr lang="en-US" dirty="0"/>
           </a:p>
         </p:txBody>
@@ -9381,16 +9385,57 @@
           <a:p>
             <a:r>
               <a:rPr lang="de-DE" dirty="0" smtClean="0"/>
-              <a:t>Outlook</a:t>
+              <a:t>Profile</a:t>
             </a:r>
             <a:endParaRPr lang="en-US" dirty="0"/>
           </a:p>
         </p:txBody>
       </p:sp>
+      <p:pic>
+        <p:nvPicPr>
+          <p:cNvPr id="1026" name="Picture 2" descr="https://raw.githubusercontent.com/pheenyx/cuda/master/des/slides/Bildschirmfoto%20-%2017.04.2014%20-%2012:02:35.png"/>
+          <p:cNvPicPr>
+            <a:picLocks noChangeAspect="1" noChangeArrowheads="1"/>
+          </p:cNvPicPr>
+          <p:nvPr/>
+        </p:nvPicPr>
+        <p:blipFill>
+          <a:blip r:embed="rId2">
+            <a:extLst>
+              <a:ext uri="{28A0092B-C50C-407E-A947-70E740481C1C}">
+                <a14:useLocalDpi xmlns:a14="http://schemas.microsoft.com/office/drawing/2010/main" val="0"/>
+              </a:ext>
+            </a:extLst>
+          </a:blip>
+          <a:srcRect/>
+          <a:stretch>
+            <a:fillRect/>
+          </a:stretch>
+        </p:blipFill>
+        <p:spPr bwMode="auto">
+          <a:xfrm>
+            <a:off x="107504" y="1268760"/>
+            <a:ext cx="8860165" cy="4861199"/>
+          </a:xfrm>
+          <a:prstGeom prst="rect">
+            <a:avLst/>
+          </a:prstGeom>
+          <a:noFill/>
+          <a:extLst>
+            <a:ext uri="{909E8E84-426E-40DD-AFC4-6F175D3DCCD1}">
+              <a14:hiddenFill xmlns:a14="http://schemas.microsoft.com/office/drawing/2010/main">
+                <a:solidFill>
+                  <a:srgbClr val="FFFFFF"/>
+                </a:solidFill>
+              </a14:hiddenFill>
+            </a:ext>
+          </a:extLst>
+        </p:spPr>
+      </p:pic>
     </p:spTree>
     <p:extLst>
       <p:ext uri="{BB962C8B-B14F-4D97-AF65-F5344CB8AC3E}">
-        <p14:creationId xmlns:p14="http://schemas.microsoft.com/office/powerpoint/2010/main" val="1038989348"/>
+        <p14:creationId xmlns:p14="http://schemas.microsoft.com/office/powerpoint/2010/main" val="754860123"/>
       </p:ext>
     </p:extLst>
   </p:cSld>
@@ -9426,24 +9471,40 @@
       </p:grpSpPr>
       <p:sp>
         <p:nvSpPr>
-          <p:cNvPr id="4" name="Titel 3"/>
+          <p:cNvPr id="2" name="Inhaltsplatzhalter 1"/>
           <p:cNvSpPr>
             <a:spLocks noGrp="1"/>
           </p:cNvSpPr>
           <p:nvPr>
-            <p:ph type="ctrTitle"/>
+            <p:ph idx="1"/>
           </p:nvPr>
         </p:nvSpPr>
         <p:spPr/>
         <p:txBody>
-          <a:bodyPr>
-            <a:normAutofit/>
-          </a:bodyPr>
+          <a:bodyPr/>
           <a:lstStyle/>
           <a:p>
             <a:r>
+              <a:rPr lang="en-US" dirty="0" smtClean="0"/>
+              <a:t>Optimize parallel code</a:t>
+            </a:r>
+          </a:p>
+          <a:p>
+            <a:r>
+              <a:rPr lang="en-US" dirty="0" smtClean="0"/>
+              <a:t>Analyze best combination of threads per block and blocks per grid. (I used 64,32)</a:t>
+            </a:r>
+          </a:p>
+          <a:p>
+            <a:r>
+              <a:rPr lang="en-US" dirty="0" smtClean="0"/>
+              <a:t>Utilize multiple cards</a:t>
+            </a:r>
+          </a:p>
+          <a:p>
+            <a:r>
               <a:rPr lang="de-DE" dirty="0" err="1" smtClean="0"/>
-              <a:t>Thank</a:t>
+              <a:t>Use</a:t>
             </a:r>
             <a:r>
               <a:rPr lang="de-DE" dirty="0" smtClean="0"/>
@@ -9451,7 +9512,7 @@
             </a:r>
             <a:r>
               <a:rPr lang="de-DE" dirty="0" err="1" smtClean="0"/>
-              <a:t>you</a:t>
+              <a:t>found</a:t>
             </a:r>
             <a:r>
               <a:rPr lang="de-DE" dirty="0" smtClean="0"/>
@@ -9459,18 +9520,30 @@
             </a:r>
             <a:r>
               <a:rPr lang="de-DE" dirty="0" err="1" smtClean="0"/>
-              <a:t>for</a:t>
+              <a:t>weakness</a:t>
             </a:r>
             <a:r>
               <a:rPr lang="de-DE" dirty="0" smtClean="0"/>
               <a:t> </a:t>
             </a:r>
-            <a:br>
+            <a:r>
+              <a:rPr lang="de-DE" dirty="0" err="1" smtClean="0"/>
+              <a:t>of</a:t>
+            </a:r>
+            <a:r>
               <a:rPr lang="de-DE" dirty="0" smtClean="0"/>
-            </a:br>
+              <a:t> DES </a:t>
+            </a:r>
+          </a:p>
+          <a:p>
+            <a:pPr lvl="1"/>
+            <a:r>
+              <a:rPr lang="de-DE" dirty="0" smtClean="0"/>
+              <a:t>Keys </a:t>
+            </a:r>
             <a:r>
               <a:rPr lang="de-DE" dirty="0" err="1" smtClean="0"/>
-              <a:t>your</a:t>
+              <a:t>with</a:t>
             </a:r>
             <a:r>
               <a:rPr lang="de-DE" dirty="0" smtClean="0"/>
@@ -9478,49 +9551,97 @@
             </a:r>
             <a:r>
               <a:rPr lang="de-DE" dirty="0" err="1" smtClean="0"/>
-              <a:t>attention</a:t>
+              <a:t>distance</a:t>
             </a:r>
             <a:r>
               <a:rPr lang="de-DE" dirty="0" smtClean="0"/>
-              <a:t>!</a:t>
-            </a:r>
+              <a:t> 1 per </a:t>
+            </a:r>
+            <a:r>
+              <a:rPr lang="de-DE" dirty="0" err="1" smtClean="0"/>
+              <a:t>byte</a:t>
+            </a:r>
+            <a:r>
+              <a:rPr lang="de-DE" dirty="0" smtClean="0"/>
+              <a:t> </a:t>
+            </a:r>
+            <a:r>
+              <a:rPr lang="de-DE" dirty="0" err="1" smtClean="0"/>
+              <a:t>yield</a:t>
+            </a:r>
+            <a:r>
+              <a:rPr lang="de-DE" dirty="0" smtClean="0"/>
+              <a:t> same </a:t>
+            </a:r>
+            <a:r>
+              <a:rPr lang="de-DE" dirty="0" err="1" smtClean="0"/>
+              <a:t>cipher</a:t>
+            </a:r>
+            <a:r>
+              <a:rPr lang="de-DE" dirty="0" smtClean="0"/>
+              <a:t>.</a:t>
+            </a:r>
+          </a:p>
+          <a:p>
+            <a:pPr lvl="1"/>
+            <a:r>
+              <a:rPr lang="de-DE" dirty="0" smtClean="0"/>
+              <a:t>Key </a:t>
+            </a:r>
+            <a:r>
+              <a:rPr lang="de-DE" dirty="0" err="1" smtClean="0"/>
+              <a:t>keykeyke</a:t>
+            </a:r>
+            <a:r>
+              <a:rPr lang="de-DE" dirty="0" smtClean="0"/>
+              <a:t> == </a:t>
+            </a:r>
+            <a:r>
+              <a:rPr lang="de-DE" dirty="0" err="1" smtClean="0"/>
+              <a:t>jdxjdxjd</a:t>
+            </a:r>
+            <a:r>
+              <a:rPr lang="de-DE" dirty="0" smtClean="0"/>
+              <a:t> == </a:t>
+            </a:r>
+            <a:r>
+              <a:rPr lang="de-DE" smtClean="0"/>
+              <a:t>jdxkeyje  </a:t>
+            </a:r>
+            <a:endParaRPr lang="en-US" dirty="0" smtClean="0"/>
+          </a:p>
+          <a:p>
             <a:endParaRPr lang="en-US" dirty="0"/>
           </a:p>
         </p:txBody>
       </p:sp>
       <p:sp>
         <p:nvSpPr>
-          <p:cNvPr id="5" name="Untertitel 4"/>
+          <p:cNvPr id="3" name="Titel 2"/>
           <p:cNvSpPr>
             <a:spLocks noGrp="1"/>
           </p:cNvSpPr>
           <p:nvPr>
-            <p:ph type="subTitle" idx="1"/>
+            <p:ph type="title"/>
           </p:nvPr>
         </p:nvSpPr>
         <p:spPr/>
         <p:txBody>
-          <a:bodyPr>
-            <a:normAutofit/>
-          </a:bodyPr>
+          <a:bodyPr/>
           <a:lstStyle/>
           <a:p>
             <a:r>
-              <a:rPr lang="de-DE" sz="3200" dirty="0" err="1" smtClean="0"/>
-              <a:t>Questions</a:t>
-            </a:r>
-            <a:r>
-              <a:rPr lang="de-DE" sz="3200" dirty="0" smtClean="0"/>
-              <a:t>?</a:t>
-            </a:r>
-            <a:endParaRPr lang="en-US" sz="3200" dirty="0"/>
+              <a:rPr lang="de-DE" dirty="0" smtClean="0"/>
+              <a:t>Outlook</a:t>
+            </a:r>
+            <a:endParaRPr lang="en-US" dirty="0"/>
           </a:p>
         </p:txBody>
       </p:sp>
     </p:spTree>
     <p:extLst>
       <p:ext uri="{BB962C8B-B14F-4D97-AF65-F5344CB8AC3E}">
-        <p14:creationId xmlns:p14="http://schemas.microsoft.com/office/powerpoint/2010/main" val="1994248867"/>
+        <p14:creationId xmlns:p14="http://schemas.microsoft.com/office/powerpoint/2010/main" val="1038989348"/>
       </p:ext>
     </p:extLst>
   </p:cSld>
